--- a/working/session-02/seminar-BioKG.pptx
+++ b/working/session-02/seminar-BioKG.pptx
@@ -5,10 +5,10 @@
     <p:sldMasterId id="2147483686" r:id="rId4"/>
   </p:sldMasterIdLst>
   <p:notesMasterIdLst>
-    <p:notesMasterId r:id="rId17"/>
+    <p:notesMasterId r:id="rId19"/>
   </p:notesMasterIdLst>
   <p:handoutMasterIdLst>
-    <p:handoutMasterId r:id="rId18"/>
+    <p:handoutMasterId r:id="rId20"/>
   </p:handoutMasterIdLst>
   <p:sldIdLst>
     <p:sldId id="315" r:id="rId5"/>
@@ -21,8 +21,10 @@
     <p:sldId id="321" r:id="rId12"/>
     <p:sldId id="322" r:id="rId13"/>
     <p:sldId id="323" r:id="rId14"/>
-    <p:sldId id="324" r:id="rId15"/>
-    <p:sldId id="295" r:id="rId16"/>
+    <p:sldId id="325" r:id="rId15"/>
+    <p:sldId id="324" r:id="rId16"/>
+    <p:sldId id="326" r:id="rId17"/>
+    <p:sldId id="295" r:id="rId18"/>
   </p:sldIdLst>
   <p:sldSz cx="12192000" cy="6858000"/>
   <p:notesSz cx="6858000" cy="9144000"/>
@@ -233,7 +235,7 @@
           <a:p>
             <a:fld id="{367A1AC4-3AE8-4F87-AAED-904EC6054702}" type="datetimeFigureOut">
               <a:rPr lang="en-US" smtClean="0"/>
-              <a:t>10/7/2024</a:t>
+              <a:t>10/16/2024</a:t>
             </a:fld>
             <a:endParaRPr lang="en-US" dirty="0"/>
           </a:p>
@@ -410,7 +412,7 @@
           <a:p>
             <a:fld id="{C5556653-6123-4FE4-861F-5F9583BF59B0}" type="datetimeFigureOut">
               <a:rPr lang="en-US" smtClean="0"/>
-              <a:t>10/7/2024</a:t>
+              <a:t>10/16/2024</a:t>
             </a:fld>
             <a:endParaRPr lang="en-US" dirty="0"/>
           </a:p>
@@ -919,7 +921,7 @@
     </p:spTree>
     <p:extLst>
       <p:ext uri="{BB962C8B-B14F-4D97-AF65-F5344CB8AC3E}">
-        <p14:creationId xmlns:p14="http://schemas.microsoft.com/office/powerpoint/2010/main" val="1472183239"/>
+        <p14:creationId xmlns:p14="http://schemas.microsoft.com/office/powerpoint/2010/main" val="2978135721"/>
       </p:ext>
     </p:extLst>
   </p:cSld>
@@ -973,6 +975,174 @@
           <a:bodyPr/>
           <a:lstStyle/>
           <a:p>
+            <a:endParaRPr lang="en-US" dirty="0"/>
+          </a:p>
+        </p:txBody>
+      </p:sp>
+      <p:sp>
+        <p:nvSpPr>
+          <p:cNvPr id="4" name="Slide Number Placeholder 3"/>
+          <p:cNvSpPr>
+            <a:spLocks noGrp="1"/>
+          </p:cNvSpPr>
+          <p:nvPr>
+            <p:ph type="sldNum" sz="quarter" idx="5"/>
+          </p:nvPr>
+        </p:nvSpPr>
+        <p:spPr/>
+        <p:txBody>
+          <a:bodyPr/>
+          <a:lstStyle/>
+          <a:p>
+            <a:fld id="{54EEB602-95FC-483A-B12D-216A7AD7EA24}" type="slidenum">
+              <a:rPr lang="en-US" smtClean="0"/>
+              <a:t>12</a:t>
+            </a:fld>
+            <a:endParaRPr lang="en-US" dirty="0"/>
+          </a:p>
+        </p:txBody>
+      </p:sp>
+    </p:spTree>
+    <p:extLst>
+      <p:ext uri="{BB962C8B-B14F-4D97-AF65-F5344CB8AC3E}">
+        <p14:creationId xmlns:p14="http://schemas.microsoft.com/office/powerpoint/2010/main" val="1472183239"/>
+      </p:ext>
+    </p:extLst>
+  </p:cSld>
+  <p:clrMapOvr>
+    <a:masterClrMapping/>
+  </p:clrMapOvr>
+</p:notes>
+</file>
+
+<file path=ppt/notesSlides/notesSlide13.xml><?xml version="1.0" encoding="utf-8"?>
+<p:notes xmlns:a="http://schemas.openxmlformats.org/drawingml/2006/main" xmlns:r="http://schemas.openxmlformats.org/officeDocument/2006/relationships" xmlns:p="http://schemas.openxmlformats.org/presentationml/2006/main">
+  <p:cSld>
+    <p:spTree>
+      <p:nvGrpSpPr>
+        <p:cNvPr id="1" name=""/>
+        <p:cNvGrpSpPr/>
+        <p:nvPr/>
+      </p:nvGrpSpPr>
+      <p:grpSpPr>
+        <a:xfrm>
+          <a:off x="0" y="0"/>
+          <a:ext cx="0" cy="0"/>
+          <a:chOff x="0" y="0"/>
+          <a:chExt cx="0" cy="0"/>
+        </a:xfrm>
+      </p:grpSpPr>
+      <p:sp>
+        <p:nvSpPr>
+          <p:cNvPr id="2" name="Slide Image Placeholder 1"/>
+          <p:cNvSpPr>
+            <a:spLocks noGrp="1" noRot="1" noChangeAspect="1"/>
+          </p:cNvSpPr>
+          <p:nvPr>
+            <p:ph type="sldImg"/>
+          </p:nvPr>
+        </p:nvSpPr>
+        <p:spPr/>
+      </p:sp>
+      <p:sp>
+        <p:nvSpPr>
+          <p:cNvPr id="3" name="Notes Placeholder 2"/>
+          <p:cNvSpPr>
+            <a:spLocks noGrp="1"/>
+          </p:cNvSpPr>
+          <p:nvPr>
+            <p:ph type="body" idx="1"/>
+          </p:nvPr>
+        </p:nvSpPr>
+        <p:spPr/>
+        <p:txBody>
+          <a:bodyPr/>
+          <a:lstStyle/>
+          <a:p>
+            <a:endParaRPr lang="en-US" dirty="0"/>
+          </a:p>
+        </p:txBody>
+      </p:sp>
+      <p:sp>
+        <p:nvSpPr>
+          <p:cNvPr id="4" name="Slide Number Placeholder 3"/>
+          <p:cNvSpPr>
+            <a:spLocks noGrp="1"/>
+          </p:cNvSpPr>
+          <p:nvPr>
+            <p:ph type="sldNum" sz="quarter" idx="5"/>
+          </p:nvPr>
+        </p:nvSpPr>
+        <p:spPr/>
+        <p:txBody>
+          <a:bodyPr/>
+          <a:lstStyle/>
+          <a:p>
+            <a:fld id="{54EEB602-95FC-483A-B12D-216A7AD7EA24}" type="slidenum">
+              <a:rPr lang="en-US" smtClean="0"/>
+              <a:t>13</a:t>
+            </a:fld>
+            <a:endParaRPr lang="en-US" dirty="0"/>
+          </a:p>
+        </p:txBody>
+      </p:sp>
+    </p:spTree>
+    <p:extLst>
+      <p:ext uri="{BB962C8B-B14F-4D97-AF65-F5344CB8AC3E}">
+        <p14:creationId xmlns:p14="http://schemas.microsoft.com/office/powerpoint/2010/main" val="546374241"/>
+      </p:ext>
+    </p:extLst>
+  </p:cSld>
+  <p:clrMapOvr>
+    <a:masterClrMapping/>
+  </p:clrMapOvr>
+</p:notes>
+</file>
+
+<file path=ppt/notesSlides/notesSlide14.xml><?xml version="1.0" encoding="utf-8"?>
+<p:notes xmlns:a="http://schemas.openxmlformats.org/drawingml/2006/main" xmlns:r="http://schemas.openxmlformats.org/officeDocument/2006/relationships" xmlns:p="http://schemas.openxmlformats.org/presentationml/2006/main">
+  <p:cSld>
+    <p:spTree>
+      <p:nvGrpSpPr>
+        <p:cNvPr id="1" name=""/>
+        <p:cNvGrpSpPr/>
+        <p:nvPr/>
+      </p:nvGrpSpPr>
+      <p:grpSpPr>
+        <a:xfrm>
+          <a:off x="0" y="0"/>
+          <a:ext cx="0" cy="0"/>
+          <a:chOff x="0" y="0"/>
+          <a:chExt cx="0" cy="0"/>
+        </a:xfrm>
+      </p:grpSpPr>
+      <p:sp>
+        <p:nvSpPr>
+          <p:cNvPr id="2" name="Slide Image Placeholder 1"/>
+          <p:cNvSpPr>
+            <a:spLocks noGrp="1" noRot="1" noChangeAspect="1"/>
+          </p:cNvSpPr>
+          <p:nvPr>
+            <p:ph type="sldImg"/>
+          </p:nvPr>
+        </p:nvSpPr>
+        <p:spPr/>
+      </p:sp>
+      <p:sp>
+        <p:nvSpPr>
+          <p:cNvPr id="3" name="Notes Placeholder 2"/>
+          <p:cNvSpPr>
+            <a:spLocks noGrp="1"/>
+          </p:cNvSpPr>
+          <p:nvPr>
+            <p:ph type="body" idx="1"/>
+          </p:nvPr>
+        </p:nvSpPr>
+        <p:spPr/>
+        <p:txBody>
+          <a:bodyPr/>
+          <a:lstStyle/>
+          <a:p>
             <a:pPr marL="0" marR="0" lvl="0" indent="0" algn="l" defTabSz="914400" rtl="0" eaLnBrk="1" fontAlgn="auto" latinLnBrk="0" hangingPunct="1">
               <a:lnSpc>
                 <a:spcPct val="100000"/>
@@ -1011,7 +1181,7 @@
           <a:p>
             <a:fld id="{F07F282E-55F5-4803-B60F-09BA4600E538}" type="slidenum">
               <a:rPr lang="en-US" smtClean="0"/>
-              <a:t>12</a:t>
+              <a:t>14</a:t>
             </a:fld>
             <a:endParaRPr lang="en-US" dirty="0"/>
           </a:p>
@@ -6786,7 +6956,7 @@
           <a:p>
             <a:fld id="{005CD215-1C45-48A0-8534-39FFE8A7C95A}" type="datetime1">
               <a:rPr lang="en-US" smtClean="0"/>
-              <a:t>10/7/2024</a:t>
+              <a:t>10/16/2024</a:t>
             </a:fld>
             <a:endParaRPr lang="en-US" dirty="0"/>
           </a:p>
@@ -10271,6 +10441,788 @@
           </a:p>
         </p:txBody>
       </p:sp>
+      <p:sp>
+        <p:nvSpPr>
+          <p:cNvPr id="11" name="TextBox 10">
+            <a:extLst>
+              <a:ext uri="{FF2B5EF4-FFF2-40B4-BE49-F238E27FC236}">
+                <a16:creationId xmlns:a16="http://schemas.microsoft.com/office/drawing/2014/main" id="{35FC8F02-7A69-DECF-6371-28282BA3DDF8}"/>
+              </a:ext>
+            </a:extLst>
+          </p:cNvPr>
+          <p:cNvSpPr txBox="1"/>
+          <p:nvPr/>
+        </p:nvSpPr>
+        <p:spPr>
+          <a:xfrm>
+            <a:off x="169950" y="1451536"/>
+            <a:ext cx="11852099" cy="3477875"/>
+          </a:xfrm>
+          <a:prstGeom prst="rect">
+            <a:avLst/>
+          </a:prstGeom>
+          <a:noFill/>
+        </p:spPr>
+        <p:txBody>
+          <a:bodyPr wrap="square" rtlCol="0">
+            <a:spAutoFit/>
+          </a:bodyPr>
+          <a:lstStyle/>
+          <a:p>
+            <a:pPr algn="l"/>
+            <a:r>
+              <a:rPr lang="en-US" sz="2200" spc="150" dirty="0" err="1">
+                <a:solidFill>
+                  <a:schemeClr val="tx1">
+                    <a:lumMod val="75000"/>
+                    <a:lumOff val="25000"/>
+                  </a:schemeClr>
+                </a:solidFill>
+                <a:latin typeface="D-DINExp"/>
+              </a:rPr>
+              <a:t>Cấu</a:t>
+            </a:r>
+            <a:r>
+              <a:rPr lang="en-US" sz="2200" spc="150" dirty="0">
+                <a:solidFill>
+                  <a:schemeClr val="tx1">
+                    <a:lumMod val="75000"/>
+                    <a:lumOff val="25000"/>
+                  </a:schemeClr>
+                </a:solidFill>
+                <a:latin typeface="D-DINExp"/>
+              </a:rPr>
+              <a:t> </a:t>
+            </a:r>
+            <a:r>
+              <a:rPr lang="en-US" sz="2200" spc="150" dirty="0" err="1">
+                <a:solidFill>
+                  <a:schemeClr val="tx1">
+                    <a:lumMod val="75000"/>
+                    <a:lumOff val="25000"/>
+                  </a:schemeClr>
+                </a:solidFill>
+                <a:latin typeface="D-DINExp"/>
+              </a:rPr>
+              <a:t>trúc</a:t>
+            </a:r>
+            <a:r>
+              <a:rPr lang="en-US" sz="2200" spc="150" dirty="0">
+                <a:solidFill>
+                  <a:schemeClr val="tx1">
+                    <a:lumMod val="75000"/>
+                    <a:lumOff val="25000"/>
+                  </a:schemeClr>
+                </a:solidFill>
+                <a:latin typeface="D-DINExp"/>
+              </a:rPr>
+              <a:t> </a:t>
+            </a:r>
+            <a:r>
+              <a:rPr lang="en-US" sz="2200" spc="150" dirty="0" err="1">
+                <a:solidFill>
+                  <a:schemeClr val="tx1">
+                    <a:lumMod val="75000"/>
+                    <a:lumOff val="25000"/>
+                  </a:schemeClr>
+                </a:solidFill>
+                <a:latin typeface="D-DINExp"/>
+              </a:rPr>
+              <a:t>trọng</a:t>
+            </a:r>
+            <a:r>
+              <a:rPr lang="en-US" sz="2200" spc="150" dirty="0">
+                <a:solidFill>
+                  <a:schemeClr val="tx1">
+                    <a:lumMod val="75000"/>
+                    <a:lumOff val="25000"/>
+                  </a:schemeClr>
+                </a:solidFill>
+                <a:latin typeface="D-DINExp"/>
+              </a:rPr>
+              <a:t> </a:t>
+            </a:r>
+            <a:r>
+              <a:rPr lang="en-US" sz="2200" spc="150" dirty="0" err="1">
+                <a:solidFill>
+                  <a:schemeClr val="tx1">
+                    <a:lumMod val="75000"/>
+                    <a:lumOff val="25000"/>
+                  </a:schemeClr>
+                </a:solidFill>
+                <a:latin typeface="D-DINExp"/>
+              </a:rPr>
+              <a:t>tâm</a:t>
+            </a:r>
+            <a:r>
+              <a:rPr lang="en-US" sz="2200" spc="150" dirty="0">
+                <a:solidFill>
+                  <a:schemeClr val="tx1">
+                    <a:lumMod val="75000"/>
+                    <a:lumOff val="25000"/>
+                  </a:schemeClr>
+                </a:solidFill>
+                <a:latin typeface="D-DINExp"/>
+              </a:rPr>
+              <a:t> </a:t>
+            </a:r>
+            <a:r>
+              <a:rPr lang="en-US" sz="2200" spc="150" dirty="0" err="1">
+                <a:solidFill>
+                  <a:schemeClr val="tx1">
+                    <a:lumMod val="75000"/>
+                    <a:lumOff val="25000"/>
+                  </a:schemeClr>
+                </a:solidFill>
+                <a:latin typeface="D-DINExp"/>
+              </a:rPr>
+              <a:t>của</a:t>
+            </a:r>
+            <a:r>
+              <a:rPr lang="en-US" sz="2200" spc="150" dirty="0">
+                <a:solidFill>
+                  <a:schemeClr val="tx1">
+                    <a:lumMod val="75000"/>
+                    <a:lumOff val="25000"/>
+                  </a:schemeClr>
+                </a:solidFill>
+                <a:latin typeface="D-DINExp"/>
+              </a:rPr>
+              <a:t> </a:t>
+            </a:r>
+            <a:r>
+              <a:rPr lang="en-US" sz="2200" spc="150" dirty="0" err="1">
+                <a:solidFill>
+                  <a:schemeClr val="tx1">
+                    <a:lumMod val="75000"/>
+                    <a:lumOff val="25000"/>
+                  </a:schemeClr>
+                </a:solidFill>
+                <a:latin typeface="D-DINExp"/>
+              </a:rPr>
+              <a:t>đồ</a:t>
+            </a:r>
+            <a:r>
+              <a:rPr lang="en-US" sz="2200" spc="150" dirty="0">
+                <a:solidFill>
+                  <a:schemeClr val="tx1">
+                    <a:lumMod val="75000"/>
+                    <a:lumOff val="25000"/>
+                  </a:schemeClr>
+                </a:solidFill>
+                <a:latin typeface="D-DINExp"/>
+              </a:rPr>
+              <a:t> </a:t>
+            </a:r>
+            <a:r>
+              <a:rPr lang="en-US" sz="2200" spc="150" dirty="0" err="1">
+                <a:solidFill>
+                  <a:schemeClr val="tx1">
+                    <a:lumMod val="75000"/>
+                    <a:lumOff val="25000"/>
+                  </a:schemeClr>
+                </a:solidFill>
+                <a:latin typeface="D-DINExp"/>
+              </a:rPr>
+              <a:t>thị</a:t>
+            </a:r>
+            <a:r>
+              <a:rPr lang="en-US" sz="2200" spc="150" dirty="0">
+                <a:solidFill>
+                  <a:schemeClr val="tx1">
+                    <a:lumMod val="75000"/>
+                    <a:lumOff val="25000"/>
+                  </a:schemeClr>
+                </a:solidFill>
+                <a:latin typeface="D-DINExp"/>
+              </a:rPr>
+              <a:t> tri </a:t>
+            </a:r>
+            <a:r>
+              <a:rPr lang="en-US" sz="2200" spc="150" dirty="0" err="1">
+                <a:solidFill>
+                  <a:schemeClr val="tx1">
+                    <a:lumMod val="75000"/>
+                    <a:lumOff val="25000"/>
+                  </a:schemeClr>
+                </a:solidFill>
+                <a:latin typeface="D-DINExp"/>
+              </a:rPr>
+              <a:t>thức</a:t>
+            </a:r>
+            <a:r>
+              <a:rPr lang="en-US" sz="2200" spc="150" dirty="0">
+                <a:solidFill>
+                  <a:schemeClr val="tx1">
+                    <a:lumMod val="75000"/>
+                    <a:lumOff val="25000"/>
+                  </a:schemeClr>
+                </a:solidFill>
+                <a:latin typeface="D-DINExp"/>
+              </a:rPr>
+              <a:t> </a:t>
+            </a:r>
+            <a:r>
+              <a:rPr lang="en-US" sz="2200" spc="150" dirty="0" err="1">
+                <a:solidFill>
+                  <a:schemeClr val="tx1">
+                    <a:lumMod val="75000"/>
+                    <a:lumOff val="25000"/>
+                  </a:schemeClr>
+                </a:solidFill>
+                <a:latin typeface="D-DINExp"/>
+              </a:rPr>
+              <a:t>BioKG</a:t>
+            </a:r>
+            <a:r>
+              <a:rPr lang="en-US" sz="2200" spc="150" dirty="0">
+                <a:solidFill>
+                  <a:schemeClr val="tx1">
+                    <a:lumMod val="75000"/>
+                    <a:lumOff val="25000"/>
+                  </a:schemeClr>
+                </a:solidFill>
+                <a:latin typeface="D-DINExp"/>
+              </a:rPr>
+              <a:t> bao </a:t>
+            </a:r>
+            <a:r>
+              <a:rPr lang="en-US" sz="2200" spc="150" dirty="0" err="1">
+                <a:solidFill>
+                  <a:schemeClr val="tx1">
+                    <a:lumMod val="75000"/>
+                    <a:lumOff val="25000"/>
+                  </a:schemeClr>
+                </a:solidFill>
+                <a:latin typeface="D-DINExp"/>
+              </a:rPr>
+              <a:t>gồm</a:t>
+            </a:r>
+            <a:r>
+              <a:rPr lang="en-US" sz="2200" spc="150" dirty="0">
+                <a:solidFill>
+                  <a:schemeClr val="tx1">
+                    <a:lumMod val="75000"/>
+                    <a:lumOff val="25000"/>
+                  </a:schemeClr>
+                </a:solidFill>
+                <a:latin typeface="D-DINExp"/>
+              </a:rPr>
+              <a:t>:</a:t>
+            </a:r>
+          </a:p>
+          <a:p>
+            <a:pPr marL="342900" indent="-342900" algn="l">
+              <a:buFont typeface="Wingdings" panose="05000000000000000000" pitchFamily="2" charset="2"/>
+              <a:buChar char="§"/>
+            </a:pPr>
+            <a:r>
+              <a:rPr lang="en-US" sz="2200" b="1" spc="150" dirty="0">
+                <a:solidFill>
+                  <a:schemeClr val="tx1">
+                    <a:lumMod val="75000"/>
+                    <a:lumOff val="25000"/>
+                  </a:schemeClr>
+                </a:solidFill>
+                <a:latin typeface="D-DINExp"/>
+              </a:rPr>
+              <a:t>Links</a:t>
+            </a:r>
+            <a:r>
+              <a:rPr lang="en-US" sz="2200" spc="150" dirty="0">
+                <a:solidFill>
+                  <a:schemeClr val="tx1">
+                    <a:lumMod val="75000"/>
+                    <a:lumOff val="25000"/>
+                  </a:schemeClr>
+                </a:solidFill>
+                <a:latin typeface="D-DINExp"/>
+              </a:rPr>
+              <a:t>: </a:t>
+            </a:r>
+            <a:r>
+              <a:rPr lang="en-US" sz="2200" spc="150" dirty="0" err="1">
+                <a:solidFill>
+                  <a:schemeClr val="tx1">
+                    <a:lumMod val="75000"/>
+                    <a:lumOff val="25000"/>
+                  </a:schemeClr>
+                </a:solidFill>
+                <a:latin typeface="D-DINExp"/>
+              </a:rPr>
+              <a:t>mô</a:t>
+            </a:r>
+            <a:r>
+              <a:rPr lang="en-US" sz="2200" spc="150" dirty="0">
+                <a:solidFill>
+                  <a:schemeClr val="tx1">
+                    <a:lumMod val="75000"/>
+                    <a:lumOff val="25000"/>
+                  </a:schemeClr>
+                </a:solidFill>
+                <a:latin typeface="D-DINExp"/>
+              </a:rPr>
+              <a:t> </a:t>
+            </a:r>
+            <a:r>
+              <a:rPr lang="en-US" sz="2200" spc="150" dirty="0" err="1">
+                <a:solidFill>
+                  <a:schemeClr val="tx1">
+                    <a:lumMod val="75000"/>
+                    <a:lumOff val="25000"/>
+                  </a:schemeClr>
+                </a:solidFill>
+                <a:latin typeface="D-DINExp"/>
+              </a:rPr>
+              <a:t>hình</a:t>
+            </a:r>
+            <a:r>
+              <a:rPr lang="en-US" sz="2200" spc="150" dirty="0">
+                <a:solidFill>
+                  <a:schemeClr val="tx1">
+                    <a:lumMod val="75000"/>
+                    <a:lumOff val="25000"/>
+                  </a:schemeClr>
+                </a:solidFill>
+                <a:latin typeface="D-DINExp"/>
+              </a:rPr>
+              <a:t> </a:t>
+            </a:r>
+            <a:r>
+              <a:rPr lang="en-US" sz="2200" spc="150" dirty="0" err="1">
+                <a:solidFill>
+                  <a:schemeClr val="tx1">
+                    <a:lumMod val="75000"/>
+                    <a:lumOff val="25000"/>
+                  </a:schemeClr>
+                </a:solidFill>
+                <a:latin typeface="D-DINExp"/>
+              </a:rPr>
+              <a:t>hóa</a:t>
+            </a:r>
+            <a:r>
+              <a:rPr lang="en-US" sz="2200" spc="150" dirty="0">
+                <a:solidFill>
+                  <a:schemeClr val="tx1">
+                    <a:lumMod val="75000"/>
+                    <a:lumOff val="25000"/>
+                  </a:schemeClr>
+                </a:solidFill>
+                <a:latin typeface="D-DINExp"/>
+              </a:rPr>
+              <a:t> </a:t>
+            </a:r>
+            <a:r>
+              <a:rPr lang="en-US" sz="2200" spc="150" dirty="0" err="1">
+                <a:solidFill>
+                  <a:schemeClr val="tx1">
+                    <a:lumMod val="75000"/>
+                    <a:lumOff val="25000"/>
+                  </a:schemeClr>
+                </a:solidFill>
+                <a:latin typeface="D-DINExp"/>
+              </a:rPr>
+              <a:t>các</a:t>
+            </a:r>
+            <a:r>
+              <a:rPr lang="en-US" sz="2200" spc="150" dirty="0">
+                <a:solidFill>
+                  <a:schemeClr val="tx1">
+                    <a:lumMod val="75000"/>
+                    <a:lumOff val="25000"/>
+                  </a:schemeClr>
+                </a:solidFill>
+                <a:latin typeface="D-DINExp"/>
+              </a:rPr>
+              <a:t> </a:t>
+            </a:r>
+            <a:r>
+              <a:rPr lang="en-US" sz="2200" spc="150" dirty="0" err="1">
+                <a:solidFill>
+                  <a:schemeClr val="tx1">
+                    <a:lumMod val="75000"/>
+                    <a:lumOff val="25000"/>
+                  </a:schemeClr>
+                </a:solidFill>
+                <a:latin typeface="D-DINExp"/>
+              </a:rPr>
+              <a:t>mối</a:t>
+            </a:r>
+            <a:r>
+              <a:rPr lang="en-US" sz="2200" spc="150" dirty="0">
+                <a:solidFill>
+                  <a:schemeClr val="tx1">
+                    <a:lumMod val="75000"/>
+                    <a:lumOff val="25000"/>
+                  </a:schemeClr>
+                </a:solidFill>
+                <a:latin typeface="D-DINExp"/>
+              </a:rPr>
+              <a:t> </a:t>
+            </a:r>
+            <a:r>
+              <a:rPr lang="en-US" sz="2200" spc="150" dirty="0" err="1">
+                <a:solidFill>
+                  <a:schemeClr val="tx1">
+                    <a:lumMod val="75000"/>
+                    <a:lumOff val="25000"/>
+                  </a:schemeClr>
+                </a:solidFill>
+                <a:latin typeface="D-DINExp"/>
+              </a:rPr>
+              <a:t>quan</a:t>
+            </a:r>
+            <a:r>
+              <a:rPr lang="en-US" sz="2200" spc="150" dirty="0">
+                <a:solidFill>
+                  <a:schemeClr val="tx1">
+                    <a:lumMod val="75000"/>
+                    <a:lumOff val="25000"/>
+                  </a:schemeClr>
+                </a:solidFill>
+                <a:latin typeface="D-DINExp"/>
+              </a:rPr>
+              <a:t> </a:t>
+            </a:r>
+            <a:r>
+              <a:rPr lang="en-US" sz="2200" spc="150" dirty="0" err="1">
+                <a:solidFill>
+                  <a:schemeClr val="tx1">
+                    <a:lumMod val="75000"/>
+                    <a:lumOff val="25000"/>
+                  </a:schemeClr>
+                </a:solidFill>
+                <a:latin typeface="D-DINExp"/>
+              </a:rPr>
+              <a:t>hệ</a:t>
+            </a:r>
+            <a:r>
+              <a:rPr lang="en-US" sz="2200" spc="150" dirty="0">
+                <a:solidFill>
+                  <a:schemeClr val="tx1">
+                    <a:lumMod val="75000"/>
+                    <a:lumOff val="25000"/>
+                  </a:schemeClr>
+                </a:solidFill>
+                <a:latin typeface="D-DINExp"/>
+              </a:rPr>
+              <a:t> </a:t>
+            </a:r>
+            <a:r>
+              <a:rPr lang="en-US" sz="2200" spc="150" dirty="0" err="1">
+                <a:solidFill>
+                  <a:schemeClr val="tx1">
+                    <a:lumMod val="75000"/>
+                    <a:lumOff val="25000"/>
+                  </a:schemeClr>
+                </a:solidFill>
+                <a:latin typeface="D-DINExp"/>
+              </a:rPr>
+              <a:t>giữa</a:t>
+            </a:r>
+            <a:r>
+              <a:rPr lang="en-US" sz="2200" spc="150" dirty="0">
+                <a:solidFill>
+                  <a:schemeClr val="tx1">
+                    <a:lumMod val="75000"/>
+                    <a:lumOff val="25000"/>
+                  </a:schemeClr>
+                </a:solidFill>
+                <a:latin typeface="D-DINExp"/>
+              </a:rPr>
+              <a:t> </a:t>
+            </a:r>
+            <a:r>
+              <a:rPr lang="en-US" sz="2200" spc="150" dirty="0" err="1">
+                <a:solidFill>
+                  <a:schemeClr val="tx1">
+                    <a:lumMod val="75000"/>
+                    <a:lumOff val="25000"/>
+                  </a:schemeClr>
+                </a:solidFill>
+                <a:latin typeface="D-DINExp"/>
+              </a:rPr>
+              <a:t>các</a:t>
+            </a:r>
+            <a:r>
+              <a:rPr lang="en-US" sz="2200" spc="150" dirty="0">
+                <a:solidFill>
+                  <a:schemeClr val="tx1">
+                    <a:lumMod val="75000"/>
+                    <a:lumOff val="25000"/>
+                  </a:schemeClr>
+                </a:solidFill>
+                <a:latin typeface="D-DINExp"/>
+              </a:rPr>
+              <a:t> </a:t>
+            </a:r>
+            <a:r>
+              <a:rPr lang="en-US" sz="2200" spc="150" dirty="0" err="1">
+                <a:solidFill>
+                  <a:schemeClr val="tx1">
+                    <a:lumMod val="75000"/>
+                    <a:lumOff val="25000"/>
+                  </a:schemeClr>
+                </a:solidFill>
+                <a:latin typeface="D-DINExp"/>
+              </a:rPr>
+              <a:t>thực</a:t>
+            </a:r>
+            <a:r>
+              <a:rPr lang="en-US" sz="2200" spc="150" dirty="0">
+                <a:solidFill>
+                  <a:schemeClr val="tx1">
+                    <a:lumMod val="75000"/>
+                    <a:lumOff val="25000"/>
+                  </a:schemeClr>
+                </a:solidFill>
+                <a:latin typeface="D-DINExp"/>
+              </a:rPr>
+              <a:t> </a:t>
+            </a:r>
+            <a:r>
+              <a:rPr lang="en-US" sz="2200" spc="150" dirty="0" err="1">
+                <a:solidFill>
+                  <a:schemeClr val="tx1">
+                    <a:lumMod val="75000"/>
+                    <a:lumOff val="25000"/>
+                  </a:schemeClr>
+                </a:solidFill>
+                <a:latin typeface="D-DINExp"/>
+              </a:rPr>
+              <a:t>thể</a:t>
+            </a:r>
+            <a:r>
+              <a:rPr lang="en-US" sz="2200" spc="150" dirty="0">
+                <a:solidFill>
+                  <a:schemeClr val="tx1">
+                    <a:lumMod val="75000"/>
+                    <a:lumOff val="25000"/>
+                  </a:schemeClr>
+                </a:solidFill>
+                <a:latin typeface="D-DINExp"/>
+              </a:rPr>
+              <a:t>.</a:t>
+            </a:r>
+          </a:p>
+          <a:p>
+            <a:pPr marL="342900" indent="-342900" algn="l">
+              <a:buFont typeface="Wingdings" panose="05000000000000000000" pitchFamily="2" charset="2"/>
+              <a:buChar char="§"/>
+            </a:pPr>
+            <a:r>
+              <a:rPr lang="vi-VN" sz="2200" b="1" spc="150" dirty="0">
+                <a:solidFill>
+                  <a:schemeClr val="tx1">
+                    <a:lumMod val="75000"/>
+                    <a:lumOff val="25000"/>
+                  </a:schemeClr>
+                </a:solidFill>
+                <a:latin typeface="D-DINExp"/>
+              </a:rPr>
+              <a:t>Properties</a:t>
+            </a:r>
+            <a:r>
+              <a:rPr lang="en-US" sz="2200" spc="150" dirty="0">
+                <a:solidFill>
+                  <a:schemeClr val="tx1">
+                    <a:lumMod val="75000"/>
+                    <a:lumOff val="25000"/>
+                  </a:schemeClr>
+                </a:solidFill>
+                <a:latin typeface="D-DINExp"/>
+              </a:rPr>
+              <a:t>: </a:t>
+            </a:r>
+            <a:r>
+              <a:rPr lang="vi-VN" sz="2200" spc="150" dirty="0">
+                <a:solidFill>
+                  <a:schemeClr val="tx1">
+                    <a:lumMod val="75000"/>
+                    <a:lumOff val="25000"/>
+                  </a:schemeClr>
+                </a:solidFill>
+                <a:latin typeface="D-DINExp"/>
+              </a:rPr>
+              <a:t>chứa các thông tin liên quan đến các thực thể sinh học và các thuộc tính của chúng. Ví dụ:</a:t>
+            </a:r>
+          </a:p>
+          <a:p>
+            <a:pPr lvl="1"/>
+            <a:r>
+              <a:rPr lang="vi-VN" sz="2200" spc="150" dirty="0">
+                <a:solidFill>
+                  <a:schemeClr val="tx1">
+                    <a:lumMod val="75000"/>
+                    <a:lumOff val="25000"/>
+                  </a:schemeClr>
+                </a:solidFill>
+                <a:latin typeface="D-DINExp"/>
+              </a:rPr>
+              <a:t>Protein Attributes: Bao gồm các liên kết với Gene Ontology và các chú thích về chuỗi protein.</a:t>
+            </a:r>
+          </a:p>
+          <a:p>
+            <a:pPr lvl="1"/>
+            <a:r>
+              <a:rPr lang="vi-VN" sz="2200" spc="150" dirty="0">
+                <a:solidFill>
+                  <a:schemeClr val="tx1">
+                    <a:lumMod val="75000"/>
+                    <a:lumOff val="25000"/>
+                  </a:schemeClr>
+                </a:solidFill>
+                <a:latin typeface="D-DINExp"/>
+              </a:rPr>
+              <a:t>Drug Properties: Các thuộc tính của thuốc như tác dụng phụ, chỉ định và mã phân loại ATC.</a:t>
+            </a:r>
+          </a:p>
+          <a:p>
+            <a:pPr marL="342900" indent="-342900" algn="l">
+              <a:buFont typeface="Wingdings" panose="05000000000000000000" pitchFamily="2" charset="2"/>
+              <a:buChar char="§"/>
+            </a:pPr>
+            <a:r>
+              <a:rPr lang="vi-VN" sz="2200" b="1" spc="150" dirty="0">
+                <a:solidFill>
+                  <a:schemeClr val="tx1">
+                    <a:lumMod val="75000"/>
+                    <a:lumOff val="25000"/>
+                  </a:schemeClr>
+                </a:solidFill>
+                <a:latin typeface="D-DINExp"/>
+              </a:rPr>
+              <a:t>Metadata</a:t>
+            </a:r>
+            <a:r>
+              <a:rPr lang="en-US" sz="2200" spc="150" dirty="0">
+                <a:solidFill>
+                  <a:schemeClr val="tx1">
+                    <a:lumMod val="75000"/>
+                    <a:lumOff val="25000"/>
+                  </a:schemeClr>
+                </a:solidFill>
+                <a:latin typeface="D-DINExp"/>
+              </a:rPr>
+              <a:t>: </a:t>
+            </a:r>
+            <a:r>
+              <a:rPr lang="vi-VN" sz="2200" spc="150" dirty="0">
+                <a:solidFill>
+                  <a:schemeClr val="tx1">
+                    <a:lumMod val="75000"/>
+                    <a:lumOff val="25000"/>
+                  </a:schemeClr>
+                </a:solidFill>
+                <a:latin typeface="D-DINExp"/>
+              </a:rPr>
+              <a:t>chứa thông tin về tên, loại, từ đồng nghĩa của các thực thể sinh họ</a:t>
+            </a:r>
+            <a:r>
+              <a:rPr lang="en-US" sz="2200" spc="150" dirty="0">
+                <a:solidFill>
+                  <a:schemeClr val="tx1">
+                    <a:lumMod val="75000"/>
+                    <a:lumOff val="25000"/>
+                  </a:schemeClr>
+                </a:solidFill>
+                <a:latin typeface="D-DINExp"/>
+              </a:rPr>
+              <a:t>c,</a:t>
+            </a:r>
+            <a:r>
+              <a:rPr lang="vi-VN" sz="2200" spc="150" dirty="0">
+                <a:solidFill>
+                  <a:schemeClr val="tx1">
+                    <a:lumMod val="75000"/>
+                    <a:lumOff val="25000"/>
+                  </a:schemeClr>
+                </a:solidFill>
+                <a:latin typeface="D-DINExp"/>
+              </a:rPr>
+              <a:t> giúp tăng cường độ phong phú của thông tin về các thực thể sinh họ</a:t>
+            </a:r>
+            <a:r>
+              <a:rPr lang="en-US" sz="2200" spc="150" dirty="0">
+                <a:solidFill>
+                  <a:schemeClr val="tx1">
+                    <a:lumMod val="75000"/>
+                    <a:lumOff val="25000"/>
+                  </a:schemeClr>
+                </a:solidFill>
+                <a:latin typeface="D-DINExp"/>
+              </a:rPr>
+              <a:t>.</a:t>
+            </a:r>
+            <a:endParaRPr lang="en-US" sz="2400" b="0" i="0" dirty="0">
+              <a:solidFill>
+                <a:srgbClr val="666666"/>
+              </a:solidFill>
+              <a:effectLst/>
+              <a:latin typeface="Noto sans" panose="020B0502040504020204" pitchFamily="34" charset="0"/>
+            </a:endParaRPr>
+          </a:p>
+        </p:txBody>
+      </p:sp>
+    </p:spTree>
+    <p:extLst>
+      <p:ext uri="{BB962C8B-B14F-4D97-AF65-F5344CB8AC3E}">
+        <p14:creationId xmlns:p14="http://schemas.microsoft.com/office/powerpoint/2010/main" val="2359029024"/>
+      </p:ext>
+    </p:extLst>
+  </p:cSld>
+  <p:clrMapOvr>
+    <a:masterClrMapping/>
+  </p:clrMapOvr>
+</p:sld>
+</file>
+
+<file path=ppt/slides/slide12.xml><?xml version="1.0" encoding="utf-8"?>
+<p:sld xmlns:a="http://schemas.openxmlformats.org/drawingml/2006/main" xmlns:r="http://schemas.openxmlformats.org/officeDocument/2006/relationships" xmlns:p="http://schemas.openxmlformats.org/presentationml/2006/main">
+  <p:cSld>
+    <p:spTree>
+      <p:nvGrpSpPr>
+        <p:cNvPr id="1" name=""/>
+        <p:cNvGrpSpPr/>
+        <p:nvPr/>
+      </p:nvGrpSpPr>
+      <p:grpSpPr>
+        <a:xfrm>
+          <a:off x="0" y="0"/>
+          <a:ext cx="0" cy="0"/>
+          <a:chOff x="0" y="0"/>
+          <a:chExt cx="0" cy="0"/>
+        </a:xfrm>
+      </p:grpSpPr>
+      <p:sp>
+        <p:nvSpPr>
+          <p:cNvPr id="2" name="Title 1">
+            <a:extLst>
+              <a:ext uri="{FF2B5EF4-FFF2-40B4-BE49-F238E27FC236}">
+                <a16:creationId xmlns:a16="http://schemas.microsoft.com/office/drawing/2014/main" id="{E2D30E0F-10C6-298A-C347-E831FFF4ECB8}"/>
+              </a:ext>
+            </a:extLst>
+          </p:cNvPr>
+          <p:cNvSpPr>
+            <a:spLocks noGrp="1"/>
+          </p:cNvSpPr>
+          <p:nvPr>
+            <p:ph type="title"/>
+          </p:nvPr>
+        </p:nvSpPr>
+        <p:spPr/>
+        <p:txBody>
+          <a:bodyPr/>
+          <a:lstStyle/>
+          <a:p>
+            <a:r>
+              <a:rPr lang="en-US" dirty="0" err="1"/>
+              <a:t>BioKG</a:t>
+            </a:r>
+            <a:endParaRPr lang="en-US" dirty="0"/>
+          </a:p>
+        </p:txBody>
+      </p:sp>
       <p:pic>
         <p:nvPicPr>
           <p:cNvPr id="10" name="Picture 9">
@@ -10516,7 +11468,253 @@
 </p:sld>
 </file>
 
-<file path=ppt/slides/slide12.xml><?xml version="1.0" encoding="utf-8"?>
+<file path=ppt/slides/slide13.xml><?xml version="1.0" encoding="utf-8"?>
+<p:sld xmlns:a="http://schemas.openxmlformats.org/drawingml/2006/main" xmlns:r="http://schemas.openxmlformats.org/officeDocument/2006/relationships" xmlns:p="http://schemas.openxmlformats.org/presentationml/2006/main">
+  <p:cSld>
+    <p:spTree>
+      <p:nvGrpSpPr>
+        <p:cNvPr id="1" name=""/>
+        <p:cNvGrpSpPr/>
+        <p:nvPr/>
+      </p:nvGrpSpPr>
+      <p:grpSpPr>
+        <a:xfrm>
+          <a:off x="0" y="0"/>
+          <a:ext cx="0" cy="0"/>
+          <a:chOff x="0" y="0"/>
+          <a:chExt cx="0" cy="0"/>
+        </a:xfrm>
+      </p:grpSpPr>
+      <p:sp>
+        <p:nvSpPr>
+          <p:cNvPr id="2" name="Title 1">
+            <a:extLst>
+              <a:ext uri="{FF2B5EF4-FFF2-40B4-BE49-F238E27FC236}">
+                <a16:creationId xmlns:a16="http://schemas.microsoft.com/office/drawing/2014/main" id="{E2D30E0F-10C6-298A-C347-E831FFF4ECB8}"/>
+              </a:ext>
+            </a:extLst>
+          </p:cNvPr>
+          <p:cNvSpPr>
+            <a:spLocks noGrp="1"/>
+          </p:cNvSpPr>
+          <p:nvPr>
+            <p:ph type="title"/>
+          </p:nvPr>
+        </p:nvSpPr>
+        <p:spPr/>
+        <p:txBody>
+          <a:bodyPr/>
+          <a:lstStyle/>
+          <a:p>
+            <a:r>
+              <a:rPr lang="en-US" dirty="0"/>
+              <a:t>BENCHMARKS</a:t>
+            </a:r>
+          </a:p>
+        </p:txBody>
+      </p:sp>
+      <p:sp>
+        <p:nvSpPr>
+          <p:cNvPr id="11" name="TextBox 10">
+            <a:extLst>
+              <a:ext uri="{FF2B5EF4-FFF2-40B4-BE49-F238E27FC236}">
+                <a16:creationId xmlns:a16="http://schemas.microsoft.com/office/drawing/2014/main" id="{35FC8F02-7A69-DECF-6371-28282BA3DDF8}"/>
+              </a:ext>
+            </a:extLst>
+          </p:cNvPr>
+          <p:cNvSpPr txBox="1"/>
+          <p:nvPr/>
+        </p:nvSpPr>
+        <p:spPr>
+          <a:xfrm>
+            <a:off x="149290" y="1451536"/>
+            <a:ext cx="11872759" cy="2800767"/>
+          </a:xfrm>
+          <a:prstGeom prst="rect">
+            <a:avLst/>
+          </a:prstGeom>
+          <a:noFill/>
+        </p:spPr>
+        <p:txBody>
+          <a:bodyPr wrap="square" rtlCol="0">
+            <a:spAutoFit/>
+          </a:bodyPr>
+          <a:lstStyle/>
+          <a:p>
+            <a:pPr lvl="1"/>
+            <a:r>
+              <a:rPr lang="en-US" sz="2200" spc="150" dirty="0">
+                <a:solidFill>
+                  <a:schemeClr val="tx1">
+                    <a:lumMod val="75000"/>
+                    <a:lumOff val="25000"/>
+                  </a:schemeClr>
+                </a:solidFill>
+                <a:latin typeface="D-DINExp"/>
+              </a:rPr>
+              <a:t>T</a:t>
+            </a:r>
+            <a:r>
+              <a:rPr lang="vi-VN" sz="2200" spc="150" dirty="0">
+                <a:solidFill>
+                  <a:schemeClr val="tx1">
+                    <a:lumMod val="75000"/>
+                    <a:lumOff val="25000"/>
+                  </a:schemeClr>
+                </a:solidFill>
+                <a:latin typeface="D-DINExp"/>
+              </a:rPr>
+              <a:t>rình bày năm tập dữ liệu chuẩn được cung cấp cùng với BioKG. Những tập dữ liệu này tập trung vào việc phát hiện mục tiêu thuốc và tương tác thuốc-thuốc. Mục đích là cung cấp các tập dữ liệu để huấn luyện và đánh giá các mô hình</a:t>
+            </a:r>
+            <a:r>
+              <a:rPr lang="en-US" sz="2200" spc="150" dirty="0">
+                <a:solidFill>
+                  <a:schemeClr val="tx1">
+                    <a:lumMod val="75000"/>
+                    <a:lumOff val="25000"/>
+                  </a:schemeClr>
+                </a:solidFill>
+                <a:latin typeface="D-DINExp"/>
+              </a:rPr>
+              <a:t> ML.</a:t>
+            </a:r>
+          </a:p>
+          <a:p>
+            <a:pPr lvl="1"/>
+            <a:r>
+              <a:rPr lang="vi-VN" sz="2200" spc="150" dirty="0">
+                <a:solidFill>
+                  <a:schemeClr val="tx1">
+                    <a:lumMod val="75000"/>
+                    <a:lumOff val="25000"/>
+                  </a:schemeClr>
+                </a:solidFill>
+                <a:latin typeface="D-DINExp"/>
+              </a:rPr>
+              <a:t>DDI-MINERAL</a:t>
+            </a:r>
+            <a:endParaRPr lang="en-US" sz="2200" spc="150" dirty="0">
+              <a:solidFill>
+                <a:schemeClr val="tx1">
+                  <a:lumMod val="75000"/>
+                  <a:lumOff val="25000"/>
+                </a:schemeClr>
+              </a:solidFill>
+              <a:latin typeface="D-DINExp"/>
+            </a:endParaRPr>
+          </a:p>
+          <a:p>
+            <a:pPr lvl="1"/>
+            <a:r>
+              <a:rPr lang="vi-VN" sz="2200" spc="150" dirty="0">
+                <a:solidFill>
+                  <a:schemeClr val="tx1">
+                    <a:lumMod val="75000"/>
+                    <a:lumOff val="25000"/>
+                  </a:schemeClr>
+                </a:solidFill>
+                <a:latin typeface="D-DINExp"/>
+              </a:rPr>
+              <a:t>DDI-EFFICACY</a:t>
+            </a:r>
+            <a:endParaRPr lang="en-US" sz="2200" spc="150" dirty="0">
+              <a:solidFill>
+                <a:schemeClr val="tx1">
+                  <a:lumMod val="75000"/>
+                  <a:lumOff val="25000"/>
+                </a:schemeClr>
+              </a:solidFill>
+              <a:latin typeface="D-DINExp"/>
+            </a:endParaRPr>
+          </a:p>
+          <a:p>
+            <a:pPr lvl="1"/>
+            <a:r>
+              <a:rPr lang="vi-VN" sz="2200" spc="150" dirty="0">
+                <a:solidFill>
+                  <a:schemeClr val="tx1">
+                    <a:lumMod val="75000"/>
+                    <a:lumOff val="25000"/>
+                  </a:schemeClr>
+                </a:solidFill>
+                <a:latin typeface="D-DINExp"/>
+              </a:rPr>
+              <a:t>DPI-FDA</a:t>
+            </a:r>
+            <a:endParaRPr lang="en-US" sz="2200" spc="150" dirty="0">
+              <a:solidFill>
+                <a:schemeClr val="tx1">
+                  <a:lumMod val="75000"/>
+                  <a:lumOff val="25000"/>
+                </a:schemeClr>
+              </a:solidFill>
+              <a:latin typeface="D-DINExp"/>
+            </a:endParaRPr>
+          </a:p>
+          <a:p>
+            <a:pPr lvl="1"/>
+            <a:r>
+              <a:rPr lang="vi-VN" sz="2200" spc="150" dirty="0">
+                <a:solidFill>
+                  <a:schemeClr val="tx1">
+                    <a:lumMod val="75000"/>
+                    <a:lumOff val="25000"/>
+                  </a:schemeClr>
+                </a:solidFill>
+                <a:latin typeface="D-DINExp"/>
+              </a:rPr>
+              <a:t>DPI-FDA-EXP</a:t>
+            </a:r>
+            <a:endParaRPr lang="en-US" sz="2200" spc="150" dirty="0">
+              <a:solidFill>
+                <a:schemeClr val="tx1">
+                  <a:lumMod val="75000"/>
+                  <a:lumOff val="25000"/>
+                </a:schemeClr>
+              </a:solidFill>
+              <a:latin typeface="D-DINExp"/>
+            </a:endParaRPr>
+          </a:p>
+          <a:p>
+            <a:pPr lvl="1"/>
+            <a:r>
+              <a:rPr lang="vi-VN" sz="2200" spc="150" dirty="0">
+                <a:solidFill>
+                  <a:schemeClr val="tx1">
+                    <a:lumMod val="75000"/>
+                    <a:lumOff val="25000"/>
+                  </a:schemeClr>
+                </a:solidFill>
+                <a:latin typeface="D-DINExp"/>
+              </a:rPr>
+              <a:t>PPI-PHOSPHO</a:t>
+            </a:r>
+            <a:endParaRPr lang="en-US" sz="2200" spc="150" dirty="0">
+              <a:solidFill>
+                <a:schemeClr val="tx1">
+                  <a:lumMod val="75000"/>
+                  <a:lumOff val="25000"/>
+                </a:schemeClr>
+              </a:solidFill>
+              <a:latin typeface="D-DINExp"/>
+            </a:endParaRPr>
+          </a:p>
+        </p:txBody>
+      </p:sp>
+    </p:spTree>
+    <p:extLst>
+      <p:ext uri="{BB962C8B-B14F-4D97-AF65-F5344CB8AC3E}">
+        <p14:creationId xmlns:p14="http://schemas.microsoft.com/office/powerpoint/2010/main" val="2114132684"/>
+      </p:ext>
+    </p:extLst>
+  </p:cSld>
+  <p:clrMapOvr>
+    <a:masterClrMapping/>
+  </p:clrMapOvr>
+</p:sld>
+</file>
+
+<file path=ppt/slides/slide14.xml><?xml version="1.0" encoding="utf-8"?>
 <p:sld xmlns:a="http://schemas.openxmlformats.org/drawingml/2006/main" xmlns:r="http://schemas.openxmlformats.org/officeDocument/2006/relationships" xmlns:p="http://schemas.openxmlformats.org/presentationml/2006/main">
   <p:cSld>
     <p:spTree>
@@ -14034,7 +15232,19 @@
               <a:rPr lang="vi-VN" sz="2200" dirty="0">
                 <a:latin typeface="D-DINExp"/>
               </a:rPr>
-              <a:t>UniProt và DrugBank được sử dụng rộng rãi trong nghiên cứu và phát triển thuốc</a:t>
+              <a:t>UniProt và DrugBank được sử dụng </a:t>
+            </a:r>
+            <a:r>
+              <a:rPr lang="en-US" sz="2200" dirty="0" err="1">
+                <a:latin typeface="D-DINExp"/>
+              </a:rPr>
+              <a:t>nhiều</a:t>
+            </a:r>
+            <a:r>
+              <a:rPr lang="vi-VN" sz="2200" dirty="0">
+                <a:latin typeface="D-DINExp"/>
+              </a:rPr>
+              <a:t> trong nghiên cứu và phát triển thuốc</a:t>
             </a:r>
             <a:r>
               <a:rPr lang="en-US" sz="2200" dirty="0">
@@ -14454,13 +15664,13 @@
               <a:rPr lang="vi-VN" sz="2200" dirty="0">
                 <a:latin typeface="D-DINExp"/>
               </a:rPr>
-              <a:t>Parsing (Phân tích</a:t>
+              <a:t>Parsing</a:t>
             </a:r>
             <a:r>
               <a:rPr lang="en-US" sz="2200" dirty="0">
                 <a:latin typeface="D-DINExp"/>
               </a:rPr>
-              <a:t>): T</a:t>
+              <a:t>: T</a:t>
             </a:r>
             <a:r>
               <a:rPr lang="vi-VN" sz="2200" dirty="0">
@@ -14508,7 +15718,37 @@
               <a:rPr lang="vi-VN" sz="2200" dirty="0">
                 <a:latin typeface="D-DINExp"/>
               </a:rPr>
-              <a:t>thành các định dạng cấu trúc trung gian từ các cơ sở dữ liệu sinh học mở</a:t>
+              <a:t>thành các định dạng cấu trúc trung gian từ các cơ sở dữ liệu sinh học </a:t>
+            </a:r>
+            <a:r>
+              <a:rPr lang="en-US" sz="2200" dirty="0" err="1">
+                <a:latin typeface="D-DINExp"/>
+              </a:rPr>
+              <a:t>mã</a:t>
+            </a:r>
+            <a:r>
+              <a:rPr lang="en-US" sz="2200" dirty="0">
+                <a:latin typeface="D-DINExp"/>
+              </a:rPr>
+              <a:t> </a:t>
+            </a:r>
+            <a:r>
+              <a:rPr lang="en-US" sz="2200" dirty="0" err="1">
+                <a:latin typeface="D-DINExp"/>
+              </a:rPr>
+              <a:t>nguồn</a:t>
+            </a:r>
+            <a:r>
+              <a:rPr lang="en-US" sz="2200" dirty="0">
+                <a:latin typeface="D-DINExp"/>
+              </a:rPr>
+              <a:t> </a:t>
+            </a:r>
+            <a:r>
+              <a:rPr lang="vi-VN" sz="2200" dirty="0">
+                <a:latin typeface="D-DINExp"/>
+              </a:rPr>
+              <a:t>mở</a:t>
             </a:r>
             <a:r>
               <a:rPr lang="en-US" sz="2200" dirty="0">
@@ -14529,24 +15769,66 @@
               <a:rPr lang="vi-VN" sz="2200" dirty="0">
                 <a:latin typeface="D-DINExp"/>
               </a:rPr>
-              <a:t>Compiling (Biên soạn</a:t>
+              <a:t>Compiling</a:t>
             </a:r>
             <a:r>
               <a:rPr lang="en-US" sz="2200" dirty="0">
                 <a:latin typeface="D-DINExp"/>
               </a:rPr>
-              <a:t>): </a:t>
+              <a:t>: </a:t>
+            </a:r>
+            <a:r>
+              <a:rPr lang="en-US" sz="2200" dirty="0" err="1">
+                <a:latin typeface="D-DINExp"/>
+              </a:rPr>
+              <a:t>thực</a:t>
+            </a:r>
+            <a:r>
+              <a:rPr lang="en-US" sz="2200" dirty="0">
+                <a:latin typeface="D-DINExp"/>
+              </a:rPr>
+              <a:t> </a:t>
+            </a:r>
+            <a:r>
+              <a:rPr lang="en-US" sz="2200" dirty="0" err="1">
+                <a:latin typeface="D-DINExp"/>
+              </a:rPr>
+              <a:t>hiện</a:t>
+            </a:r>
+            <a:r>
+              <a:rPr lang="en-US" sz="2200" dirty="0">
+                <a:latin typeface="D-DINExp"/>
+              </a:rPr>
+              <a:t> </a:t>
             </a:r>
             <a:r>
               <a:rPr lang="vi-VN" sz="2200" dirty="0">
                 <a:latin typeface="D-DINExp"/>
               </a:rPr>
-              <a:t>các bước như ánh xạ các định danh (mapping IDs), lọc dữ liệu và xây dựng các </a:t>
+              <a:t>các bước mapping, lọc dữ liệu</a:t>
             </a:r>
             <a:r>
               <a:rPr lang="en-US" sz="2200" dirty="0">
                 <a:latin typeface="D-DINExp"/>
               </a:rPr>
+              <a:t> </a:t>
+            </a:r>
+            <a:r>
+              <a:rPr lang="en-US" sz="2200" dirty="0" err="1">
+                <a:latin typeface="D-DINExp"/>
+              </a:rPr>
+              <a:t>để</a:t>
+            </a:r>
+            <a:r>
+              <a:rPr lang="vi-VN" sz="2200" dirty="0">
+                <a:latin typeface="D-DINExp"/>
+              </a:rPr>
+              <a:t> xây dựng các </a:t>
+            </a:r>
+            <a:r>
+              <a:rPr lang="en-US" sz="2200" dirty="0">
+                <a:latin typeface="D-DINExp"/>
+              </a:rPr>
               <a:t>T</a:t>
             </a:r>
             <a:r>
@@ -14613,19 +15895,13 @@
               <a:rPr lang="en-US" sz="2200" dirty="0">
                 <a:latin typeface="D-DINExp"/>
               </a:rPr>
-              <a:t> </a:t>
-            </a:r>
-            <a:r>
-              <a:rPr lang="en-US" sz="2200" dirty="0" err="1">
-                <a:latin typeface="D-DINExp"/>
-              </a:rPr>
-              <a:t>để</a:t>
+              <a:t>, </a:t>
             </a:r>
             <a:r>
               <a:rPr lang="vi-VN" sz="2200" dirty="0">
                 <a:latin typeface="D-DINExp"/>
               </a:rPr>
-              <a:t> tạo ra một đồ thị tri thứ</a:t>
+              <a:t>tạo ra một đồ thị tri thứ</a:t>
             </a:r>
             <a:r>
               <a:rPr lang="en-US" sz="2200" dirty="0">
@@ -17599,15 +18875,6 @@
 </file>
 
 <file path=customXml/item1.xml><?xml version="1.0" encoding="utf-8"?>
-<?mso-contentType ?>
-<FormTemplates xmlns="http://schemas.microsoft.com/sharepoint/v3/contenttype/forms">
-  <Display>DocumentLibraryForm</Display>
-  <Edit>DocumentLibraryForm</Edit>
-  <New>DocumentLibraryForm</New>
-</FormTemplates>
-</file>
-
-<file path=customXml/item2.xml><?xml version="1.0" encoding="utf-8"?>
 <p:properties xmlns:p="http://schemas.microsoft.com/office/2006/metadata/properties" xmlns:xsi="http://www.w3.org/2001/XMLSchema-instance" xmlns:pc="http://schemas.microsoft.com/office/infopath/2007/PartnerControls">
   <documentManagement>
     <_ip_UnifiedCompliancePolicyUIAction xmlns="http://schemas.microsoft.com/sharepoint/v3" xsi:nil="true"/>
@@ -17625,6 +18892,15 @@
     <MediaServiceKeyPoints xmlns="71af3243-3dd4-4a8d-8c0d-dd76da1f02a5" xsi:nil="true"/>
   </documentManagement>
 </p:properties>
+</file>
+
+<file path=customXml/item2.xml><?xml version="1.0" encoding="utf-8"?>
+<?mso-contentType ?>
+<FormTemplates xmlns="http://schemas.microsoft.com/sharepoint/v3/contenttype/forms">
+  <Display>DocumentLibraryForm</Display>
+  <Edit>DocumentLibraryForm</Edit>
+  <New>DocumentLibraryForm</New>
+</FormTemplates>
 </file>
 
 <file path=customXml/item3.xml><?xml version="1.0" encoding="utf-8"?>
@@ -17940,14 +19216,6 @@
 </file>
 
 <file path=customXml/itemProps1.xml><?xml version="1.0" encoding="utf-8"?>
-<ds:datastoreItem xmlns:ds="http://schemas.openxmlformats.org/officeDocument/2006/customXml" ds:itemID="{6F36CB81-A037-44A8-88EB-C0C0F17FD4B1}">
-  <ds:schemaRefs>
-    <ds:schemaRef ds:uri="http://schemas.microsoft.com/sharepoint/v3/contenttype/forms"/>
-  </ds:schemaRefs>
-</ds:datastoreItem>
-</file>
-
-<file path=customXml/itemProps2.xml><?xml version="1.0" encoding="utf-8"?>
 <ds:datastoreItem xmlns:ds="http://schemas.openxmlformats.org/officeDocument/2006/customXml" ds:itemID="{57FF477C-132F-44F8-8C56-EBFF95FAF97B}">
   <ds:schemaRefs>
     <ds:schemaRef ds:uri="http://schemas.microsoft.com/office/2006/documentManagement/types"/>
@@ -17962,6 +19230,14 @@
     <ds:schemaRef ds:uri="http://schemas.microsoft.com/office/infopath/2007/PartnerControls"/>
     <ds:schemaRef ds:uri="71af3243-3dd4-4a8d-8c0d-dd76da1f02a5"/>
     <ds:schemaRef ds:uri="http://www.w3.org/XML/1998/namespace"/>
+  </ds:schemaRefs>
+</ds:datastoreItem>
+</file>
+
+<file path=customXml/itemProps2.xml><?xml version="1.0" encoding="utf-8"?>
+<ds:datastoreItem xmlns:ds="http://schemas.openxmlformats.org/officeDocument/2006/customXml" ds:itemID="{6F36CB81-A037-44A8-88EB-C0C0F17FD4B1}">
+  <ds:schemaRefs>
+    <ds:schemaRef ds:uri="http://schemas.microsoft.com/sharepoint/v3/contenttype/forms"/>
   </ds:schemaRefs>
 </ds:datastoreItem>
 </file>
